--- a/ppt/2022_02_CAPSTONE_A6Blue.pptx
+++ b/ppt/2022_02_CAPSTONE_A6Blue.pptx
@@ -249,7 +249,7 @@
           <a:p>
             <a:fld id="{E590ACC2-2C1A-4ABB-95A8-41E96F93C74A}" type="datetimeFigureOut">
               <a:rPr lang="ko-KR" altLang="en-US" smtClean="0"/>
-              <a:t>2022-12-26</a:t>
+              <a:t>2024-09-26</a:t>
             </a:fld>
             <a:endParaRPr lang="ko-KR" altLang="en-US"/>
           </a:p>
@@ -426,7 +426,7 @@
           <a:p>
             <a:fld id="{09AE223B-2BBB-4549-9C82-BC90802838D5}" type="datetimeFigureOut">
               <a:rPr lang="ko-KR" altLang="en-US" smtClean="0"/>
-              <a:t>2022-12-26</a:t>
+              <a:t>2024-09-26</a:t>
             </a:fld>
             <a:endParaRPr lang="ko-KR" altLang="en-US"/>
           </a:p>
@@ -822,7 +822,7 @@
           <a:p>
             <a:fld id="{C3C70BD7-7C3E-4EA0-963F-A40A69AB3032}" type="datetimeFigureOut">
               <a:rPr lang="ko-KR" altLang="en-US" smtClean="0"/>
-              <a:t>2022-12-26</a:t>
+              <a:t>2024-09-26</a:t>
             </a:fld>
             <a:endParaRPr lang="ko-KR" altLang="en-US"/>
           </a:p>
@@ -990,7 +990,7 @@
           <a:p>
             <a:fld id="{C3C70BD7-7C3E-4EA0-963F-A40A69AB3032}" type="datetimeFigureOut">
               <a:rPr lang="ko-KR" altLang="en-US" smtClean="0"/>
-              <a:t>2022-12-26</a:t>
+              <a:t>2024-09-26</a:t>
             </a:fld>
             <a:endParaRPr lang="ko-KR" altLang="en-US"/>
           </a:p>
@@ -1168,7 +1168,7 @@
           <a:p>
             <a:fld id="{C3C70BD7-7C3E-4EA0-963F-A40A69AB3032}" type="datetimeFigureOut">
               <a:rPr lang="ko-KR" altLang="en-US" smtClean="0"/>
-              <a:t>2022-12-26</a:t>
+              <a:t>2024-09-26</a:t>
             </a:fld>
             <a:endParaRPr lang="ko-KR" altLang="en-US"/>
           </a:p>
@@ -1336,7 +1336,7 @@
           <a:p>
             <a:fld id="{C3C70BD7-7C3E-4EA0-963F-A40A69AB3032}" type="datetimeFigureOut">
               <a:rPr lang="ko-KR" altLang="en-US" smtClean="0"/>
-              <a:t>2022-12-26</a:t>
+              <a:t>2024-09-26</a:t>
             </a:fld>
             <a:endParaRPr lang="ko-KR" altLang="en-US"/>
           </a:p>
@@ -1581,7 +1581,7 @@
           <a:p>
             <a:fld id="{C3C70BD7-7C3E-4EA0-963F-A40A69AB3032}" type="datetimeFigureOut">
               <a:rPr lang="ko-KR" altLang="en-US" smtClean="0"/>
-              <a:t>2022-12-26</a:t>
+              <a:t>2024-09-26</a:t>
             </a:fld>
             <a:endParaRPr lang="ko-KR" altLang="en-US"/>
           </a:p>
@@ -1810,7 +1810,7 @@
           <a:p>
             <a:fld id="{C3C70BD7-7C3E-4EA0-963F-A40A69AB3032}" type="datetimeFigureOut">
               <a:rPr lang="ko-KR" altLang="en-US" smtClean="0"/>
-              <a:t>2022-12-26</a:t>
+              <a:t>2024-09-26</a:t>
             </a:fld>
             <a:endParaRPr lang="ko-KR" altLang="en-US"/>
           </a:p>
@@ -2174,7 +2174,7 @@
           <a:p>
             <a:fld id="{C3C70BD7-7C3E-4EA0-963F-A40A69AB3032}" type="datetimeFigureOut">
               <a:rPr lang="ko-KR" altLang="en-US" smtClean="0"/>
-              <a:t>2022-12-26</a:t>
+              <a:t>2024-09-26</a:t>
             </a:fld>
             <a:endParaRPr lang="ko-KR" altLang="en-US"/>
           </a:p>
@@ -2291,7 +2291,7 @@
           <a:p>
             <a:fld id="{C3C70BD7-7C3E-4EA0-963F-A40A69AB3032}" type="datetimeFigureOut">
               <a:rPr lang="ko-KR" altLang="en-US" smtClean="0"/>
-              <a:t>2022-12-26</a:t>
+              <a:t>2024-09-26</a:t>
             </a:fld>
             <a:endParaRPr lang="ko-KR" altLang="en-US"/>
           </a:p>
@@ -2386,7 +2386,7 @@
           <a:p>
             <a:fld id="{C3C70BD7-7C3E-4EA0-963F-A40A69AB3032}" type="datetimeFigureOut">
               <a:rPr lang="ko-KR" altLang="en-US" smtClean="0"/>
-              <a:t>2022-12-26</a:t>
+              <a:t>2024-09-26</a:t>
             </a:fld>
             <a:endParaRPr lang="ko-KR" altLang="en-US"/>
           </a:p>
@@ -2661,7 +2661,7 @@
           <a:p>
             <a:fld id="{C3C70BD7-7C3E-4EA0-963F-A40A69AB3032}" type="datetimeFigureOut">
               <a:rPr lang="ko-KR" altLang="en-US" smtClean="0"/>
-              <a:t>2022-12-26</a:t>
+              <a:t>2024-09-26</a:t>
             </a:fld>
             <a:endParaRPr lang="ko-KR" altLang="en-US"/>
           </a:p>
@@ -2913,7 +2913,7 @@
           <a:p>
             <a:fld id="{C3C70BD7-7C3E-4EA0-963F-A40A69AB3032}" type="datetimeFigureOut">
               <a:rPr lang="ko-KR" altLang="en-US" smtClean="0"/>
-              <a:t>2022-12-26</a:t>
+              <a:t>2024-09-26</a:t>
             </a:fld>
             <a:endParaRPr lang="ko-KR" altLang="en-US"/>
           </a:p>
@@ -3133,7 +3133,7 @@
           <a:p>
             <a:fld id="{C3C70BD7-7C3E-4EA0-963F-A40A69AB3032}" type="datetimeFigureOut">
               <a:rPr lang="ko-KR" altLang="en-US" smtClean="0"/>
-              <a:t>2022-12-26</a:t>
+              <a:t>2024-09-26</a:t>
             </a:fld>
             <a:endParaRPr lang="ko-KR" altLang="en-US"/>
           </a:p>
@@ -3586,31 +3586,17 @@
               <a:t>- Path Planning</a:t>
             </a:r>
             <a:br>
-              <a:rPr lang="en-US" altLang="ko-KR" sz="3600" dirty="0">
+              <a:rPr lang="en-US" altLang="ko-KR" sz="3600">
                 <a:latin typeface="G마켓 산스 TTF Light" panose="02000000000000000000" pitchFamily="2" charset="-127"/>
                 <a:ea typeface="G마켓 산스 TTF Light" panose="02000000000000000000" pitchFamily="2" charset="-127"/>
               </a:rPr>
             </a:br>
             <a:r>
-              <a:rPr lang="en-US" altLang="ko-KR" sz="2800" dirty="0">
+              <a:rPr lang="en-US" altLang="ko-KR" sz="2800">
                 <a:latin typeface="G마켓 산스 TTF Light"/>
                 <a:ea typeface="G마켓 산스 TTF Light"/>
               </a:rPr>
-              <a:t>14</a:t>
-            </a:r>
-            <a:r>
-              <a:rPr lang="en-US" altLang="ko-KR" sz="2800" baseline="30000" dirty="0">
-                <a:latin typeface="G마켓 산스 TTF Light"/>
-                <a:ea typeface="G마켓 산스 TTF Light"/>
-              </a:rPr>
-              <a:t>th</a:t>
-            </a:r>
-            <a:r>
-              <a:rPr lang="en-US" altLang="ko-KR" sz="2800" dirty="0">
-                <a:latin typeface="G마켓 산스 TTF Light"/>
-                <a:ea typeface="G마켓 산스 TTF Light"/>
-              </a:rPr>
-              <a:t> Week Progress</a:t>
+              <a:t>Final</a:t>
             </a:r>
             <a:endParaRPr lang="ko-KR" altLang="en-US" sz="2000" dirty="0">
               <a:latin typeface="G마켓 산스 TTF Light"/>
@@ -19954,12 +19940,6 @@
 </file>
 
 <file path=customXml/item2.xml><?xml version="1.0" encoding="utf-8"?>
-<p:properties xmlns:p="http://schemas.microsoft.com/office/2006/metadata/properties" xmlns:xsi="http://www.w3.org/2001/XMLSchema-instance" xmlns:pc="http://schemas.microsoft.com/office/infopath/2007/PartnerControls">
-  <documentManagement/>
-</p:properties>
-</file>
-
-<file path=customXml/item3.xml><?xml version="1.0" encoding="utf-8"?>
 <ct:contentTypeSchema xmlns:ct="http://schemas.microsoft.com/office/2006/metadata/contentType" xmlns:ma="http://schemas.microsoft.com/office/2006/metadata/properties/metaAttributes" ct:_="" ma:_="" ma:contentTypeName="문서" ma:contentTypeID="0x010100497C0C4316BEA640BC1DC32A398D4785" ma:contentTypeVersion="14" ma:contentTypeDescription="새 문서를 만듭니다." ma:contentTypeScope="" ma:versionID="c246bde98d785111b3c10f4d88efb970">
   <xsd:schema xmlns:xsd="http://www.w3.org/2001/XMLSchema" xmlns:xs="http://www.w3.org/2001/XMLSchema" xmlns:p="http://schemas.microsoft.com/office/2006/metadata/properties" xmlns:ns3="42a87c74-49d2-4898-a86c-ca3f53b59126" xmlns:ns4="736ae43f-2eee-4635-b35e-a4e0577211e3" targetNamespace="http://schemas.microsoft.com/office/2006/metadata/properties" ma:root="true" ma:fieldsID="ecb2f95e49a96a382d63833dfe2a0cdc" ns3:_="" ns4:_="">
     <xsd:import namespace="42a87c74-49d2-4898-a86c-ca3f53b59126"/>
@@ -20188,6 +20168,12 @@
 </ct:contentTypeSchema>
 </file>
 
+<file path=customXml/item3.xml><?xml version="1.0" encoding="utf-8"?>
+<p:properties xmlns:p="http://schemas.microsoft.com/office/2006/metadata/properties" xmlns:xsi="http://www.w3.org/2001/XMLSchema-instance" xmlns:pc="http://schemas.microsoft.com/office/infopath/2007/PartnerControls">
+  <documentManagement/>
+</p:properties>
+</file>
+
 <file path=customXml/itemProps1.xml><?xml version="1.0" encoding="utf-8"?>
 <ds:datastoreItem xmlns:ds="http://schemas.openxmlformats.org/officeDocument/2006/customXml" ds:itemID="{24773FCF-4921-48FF-AAF8-71E24621B00A}">
   <ds:schemaRefs>
@@ -20197,23 +20183,6 @@
 </file>
 
 <file path=customXml/itemProps2.xml><?xml version="1.0" encoding="utf-8"?>
-<ds:datastoreItem xmlns:ds="http://schemas.openxmlformats.org/officeDocument/2006/customXml" ds:itemID="{0712FE78-8970-44E8-80CC-C45C95B5C239}">
-  <ds:schemaRefs>
-    <ds:schemaRef ds:uri="http://purl.org/dc/elements/1.1/"/>
-    <ds:schemaRef ds:uri="http://schemas.microsoft.com/office/infopath/2007/PartnerControls"/>
-    <ds:schemaRef ds:uri="http://schemas.microsoft.com/office/2006/documentManagement/types"/>
-    <ds:schemaRef ds:uri="42a87c74-49d2-4898-a86c-ca3f53b59126"/>
-    <ds:schemaRef ds:uri="http://schemas.microsoft.com/office/2006/metadata/properties"/>
-    <ds:schemaRef ds:uri="http://purl.org/dc/terms/"/>
-    <ds:schemaRef ds:uri="736ae43f-2eee-4635-b35e-a4e0577211e3"/>
-    <ds:schemaRef ds:uri="http://schemas.openxmlformats.org/package/2006/metadata/core-properties"/>
-    <ds:schemaRef ds:uri="http://www.w3.org/XML/1998/namespace"/>
-    <ds:schemaRef ds:uri="http://purl.org/dc/dcmitype/"/>
-  </ds:schemaRefs>
-</ds:datastoreItem>
-</file>
-
-<file path=customXml/itemProps3.xml><?xml version="1.0" encoding="utf-8"?>
 <ds:datastoreItem xmlns:ds="http://schemas.openxmlformats.org/officeDocument/2006/customXml" ds:itemID="{A60D75B4-791A-47FE-BDBA-3C6DFBA70B27}">
   <ds:schemaRefs>
     <ds:schemaRef ds:uri="42a87c74-49d2-4898-a86c-ca3f53b59126"/>
@@ -20230,4 +20199,21 @@
     <ds:schemaRef ds:uri="http://www.w3.org/2001/XMLSchema"/>
   </ds:schemaRefs>
 </ds:datastoreItem>
+</file>
+
+<file path=customXml/itemProps3.xml><?xml version="1.0" encoding="utf-8"?>
+<ds:datastoreItem xmlns:ds="http://schemas.openxmlformats.org/officeDocument/2006/customXml" ds:itemID="{0712FE78-8970-44E8-80CC-C45C95B5C239}">
+  <ds:schemaRefs>
+    <ds:schemaRef ds:uri="http://purl.org/dc/elements/1.1/"/>
+    <ds:schemaRef ds:uri="http://schemas.microsoft.com/office/infopath/2007/PartnerControls"/>
+    <ds:schemaRef ds:uri="http://schemas.microsoft.com/office/2006/documentManagement/types"/>
+    <ds:schemaRef ds:uri="42a87c74-49d2-4898-a86c-ca3f53b59126"/>
+    <ds:schemaRef ds:uri="http://schemas.microsoft.com/office/2006/metadata/properties"/>
+    <ds:schemaRef ds:uri="http://purl.org/dc/terms/"/>
+    <ds:schemaRef ds:uri="736ae43f-2eee-4635-b35e-a4e0577211e3"/>
+    <ds:schemaRef ds:uri="http://schemas.openxmlformats.org/package/2006/metadata/core-properties"/>
+    <ds:schemaRef ds:uri="http://www.w3.org/XML/1998/namespace"/>
+    <ds:schemaRef ds:uri="http://purl.org/dc/dcmitype/"/>
+  </ds:schemaRefs>
+</ds:datastoreItem>
 </file>